--- a/JavaScript i TypeScript.pptx
+++ b/JavaScript i TypeScript.pptx
@@ -12,9 +12,9 @@
     <p:sldId id="284" r:id="rId3"/>
     <p:sldId id="285" r:id="rId4"/>
     <p:sldId id="286" r:id="rId5"/>
-    <p:sldId id="290" r:id="rId6"/>
-    <p:sldId id="287" r:id="rId7"/>
-    <p:sldId id="288" r:id="rId8"/>
+    <p:sldId id="287" r:id="rId6"/>
+    <p:sldId id="288" r:id="rId7"/>
+    <p:sldId id="290" r:id="rId8"/>
     <p:sldId id="289" r:id="rId9"/>
     <p:sldId id="291" r:id="rId10"/>
     <p:sldId id="292" r:id="rId11"/>
@@ -4883,7 +4883,7 @@
                 <a:cs typeface="Poppins Black"/>
                 <a:sym typeface="Poppins Black"/>
               </a:rPr>
-              <a:t>Podstawy TypeScript</a:t>
+              <a:t>Podstawy JavaScript/TypeScript</a:t>
             </a:r>
             <a:endParaRPr sz="4800" dirty="0">
               <a:solidFill>
@@ -6333,6 +6333,30 @@
             <a:pPr marL="101600" indent="0">
               <a:buNone/>
             </a:pPr>
+            <a:endParaRPr lang="pl-PL" b="1" dirty="0">
+              <a:solidFill>
+                <a:schemeClr val="accent5">
+                  <a:lumMod val="50000"/>
+                </a:schemeClr>
+              </a:solidFill>
+            </a:endParaRPr>
+          </a:p>
+          <a:p>
+            <a:pPr marL="101600" indent="0">
+              <a:buNone/>
+            </a:pPr>
+            <a:endParaRPr lang="pl-PL" b="1" dirty="0">
+              <a:solidFill>
+                <a:schemeClr val="accent5">
+                  <a:lumMod val="50000"/>
+                </a:schemeClr>
+              </a:solidFill>
+            </a:endParaRPr>
+          </a:p>
+          <a:p>
+            <a:pPr marL="101600" indent="0">
+              <a:buNone/>
+            </a:pPr>
             <a:endParaRPr lang="en-GB" b="1" dirty="0">
               <a:solidFill>
                 <a:schemeClr val="accent5">
@@ -6340,6 +6364,42 @@
                 </a:schemeClr>
               </a:solidFill>
             </a:endParaRPr>
+          </a:p>
+        </p:txBody>
+      </p:sp>
+      <p:sp>
+        <p:nvSpPr>
+          <p:cNvPr id="2" name="TextBox 1">
+            <a:extLst>
+              <a:ext uri="{FF2B5EF4-FFF2-40B4-BE49-F238E27FC236}">
+                <a16:creationId xmlns:a16="http://schemas.microsoft.com/office/drawing/2014/main" id="{5A04F689-B01B-CCB5-0AD4-221A7A324D75}"/>
+              </a:ext>
+            </a:extLst>
+          </p:cNvPr>
+          <p:cNvSpPr txBox="1"/>
+          <p:nvPr/>
+        </p:nvSpPr>
+        <p:spPr>
+          <a:xfrm>
+            <a:off x="850392" y="5778000"/>
+            <a:ext cx="8449056" cy="307777"/>
+          </a:xfrm>
+          <a:prstGeom prst="rect">
+            <a:avLst/>
+          </a:prstGeom>
+          <a:noFill/>
+        </p:spPr>
+        <p:txBody>
+          <a:bodyPr wrap="square" rtlCol="0">
+            <a:spAutoFit/>
+          </a:bodyPr>
+          <a:lstStyle/>
+          <a:p>
+            <a:r>
+              <a:rPr lang="pl-PL" dirty="0"/>
+              <a:t>Najpopularniejsze, prymitywne typy zmiennych: number, string, boolean </a:t>
+            </a:r>
+            <a:endParaRPr lang="en-GB" dirty="0"/>
           </a:p>
         </p:txBody>
       </p:sp>
@@ -14332,7 +14392,7 @@
             </a:r>
             <a:r>
               <a:rPr lang="pl-PL" dirty="0"/>
-              <a:t>)</a:t>
+              <a:t>) {kod wykonywany w pętli}</a:t>
             </a:r>
             <a:endParaRPr lang="en-GB" dirty="0"/>
           </a:p>
@@ -14534,7 +14594,7 @@
             </a:r>
             <a:r>
               <a:rPr lang="pl-PL" dirty="0"/>
-              <a:t>)</a:t>
+              <a:t>) {kod wykonywany w pętli}</a:t>
             </a:r>
           </a:p>
           <a:p>
@@ -16238,6 +16298,506 @@
 </file>
 
 <file path=ppt/slides/slide5.xml><?xml version="1.0" encoding="utf-8"?>
+<p:sld xmlns:a="http://schemas.openxmlformats.org/drawingml/2006/main" xmlns:r="http://schemas.openxmlformats.org/officeDocument/2006/relationships" xmlns:p="http://schemas.openxmlformats.org/presentationml/2006/main">
+  <p:cSld>
+    <p:spTree>
+      <p:nvGrpSpPr>
+        <p:cNvPr id="1" name=""/>
+        <p:cNvGrpSpPr/>
+        <p:nvPr/>
+      </p:nvGrpSpPr>
+      <p:grpSpPr>
+        <a:xfrm>
+          <a:off x="0" y="0"/>
+          <a:ext cx="0" cy="0"/>
+          <a:chOff x="0" y="0"/>
+          <a:chExt cx="0" cy="0"/>
+        </a:xfrm>
+      </p:grpSpPr>
+      <p:sp>
+        <p:nvSpPr>
+          <p:cNvPr id="4" name="Title 3">
+            <a:extLst>
+              <a:ext uri="{FF2B5EF4-FFF2-40B4-BE49-F238E27FC236}">
+                <a16:creationId xmlns:a16="http://schemas.microsoft.com/office/drawing/2014/main" id="{21CDCE11-011B-B35E-E730-9F1DE2179E2A}"/>
+              </a:ext>
+            </a:extLst>
+          </p:cNvPr>
+          <p:cNvSpPr>
+            <a:spLocks noGrp="1"/>
+          </p:cNvSpPr>
+          <p:nvPr>
+            <p:ph type="title"/>
+          </p:nvPr>
+        </p:nvSpPr>
+        <p:spPr/>
+        <p:txBody>
+          <a:bodyPr>
+            <a:normAutofit fontScale="90000"/>
+          </a:bodyPr>
+          <a:lstStyle/>
+          <a:p>
+            <a:r>
+              <a:rPr lang="pl-PL" dirty="0"/>
+              <a:t>Czym jest </a:t>
+            </a:r>
+            <a:r>
+              <a:rPr lang="pl-PL" dirty="0">
+                <a:solidFill>
+                  <a:srgbClr val="FF0000"/>
+                </a:solidFill>
+              </a:rPr>
+              <a:t>J</a:t>
+            </a:r>
+            <a:r>
+              <a:rPr lang="pl-PL" dirty="0"/>
+              <a:t>ava</a:t>
+            </a:r>
+            <a:r>
+              <a:rPr lang="pl-PL" dirty="0">
+                <a:solidFill>
+                  <a:srgbClr val="FF0000"/>
+                </a:solidFill>
+              </a:rPr>
+              <a:t>S</a:t>
+            </a:r>
+            <a:r>
+              <a:rPr lang="pl-PL" dirty="0">
+                <a:solidFill>
+                  <a:schemeClr val="tx1"/>
+                </a:solidFill>
+              </a:rPr>
+              <a:t>cript</a:t>
+            </a:r>
+            <a:r>
+              <a:rPr lang="pl-PL" dirty="0"/>
+              <a:t> (</a:t>
+            </a:r>
+            <a:r>
+              <a:rPr lang="pl-PL" dirty="0">
+                <a:solidFill>
+                  <a:srgbClr val="FF0000"/>
+                </a:solidFill>
+              </a:rPr>
+              <a:t>JS</a:t>
+            </a:r>
+            <a:r>
+              <a:rPr lang="pl-PL" dirty="0"/>
+              <a:t>)?</a:t>
+            </a:r>
+            <a:endParaRPr lang="en-GB" dirty="0"/>
+          </a:p>
+        </p:txBody>
+      </p:sp>
+      <p:sp>
+        <p:nvSpPr>
+          <p:cNvPr id="5" name="Text Placeholder 4">
+            <a:extLst>
+              <a:ext uri="{FF2B5EF4-FFF2-40B4-BE49-F238E27FC236}">
+                <a16:creationId xmlns:a16="http://schemas.microsoft.com/office/drawing/2014/main" id="{F54B184C-F500-CE69-1ADF-49F216E95C1D}"/>
+              </a:ext>
+            </a:extLst>
+          </p:cNvPr>
+          <p:cNvSpPr>
+            <a:spLocks noGrp="1"/>
+          </p:cNvSpPr>
+          <p:nvPr>
+            <p:ph type="body" idx="1"/>
+          </p:nvPr>
+        </p:nvSpPr>
+        <p:spPr>
+          <a:xfrm>
+            <a:off x="312750" y="1239900"/>
+            <a:ext cx="11566500" cy="5044894"/>
+          </a:xfrm>
+        </p:spPr>
+        <p:txBody>
+          <a:bodyPr>
+            <a:normAutofit/>
+          </a:bodyPr>
+          <a:lstStyle/>
+          <a:p>
+            <a:pPr marL="101600" indent="0">
+              <a:spcBef>
+                <a:spcPts val="800"/>
+              </a:spcBef>
+              <a:buNone/>
+            </a:pPr>
+            <a:r>
+              <a:rPr lang="pl-PL" b="1" dirty="0">
+                <a:solidFill>
+                  <a:srgbClr val="FF0000"/>
+                </a:solidFill>
+              </a:rPr>
+              <a:t>JavaScript</a:t>
+            </a:r>
+            <a:r>
+              <a:rPr lang="pl-PL" dirty="0"/>
+              <a:t> to wysokopoziomowy, interpretowany język programowania, który jest głównie wykorzystywany do tworzenia </a:t>
+            </a:r>
+            <a:r>
+              <a:rPr lang="pl-PL" b="1" dirty="0">
+                <a:solidFill>
+                  <a:srgbClr val="FF0000"/>
+                </a:solidFill>
+              </a:rPr>
+              <a:t>interaktywnych</a:t>
+            </a:r>
+            <a:r>
+              <a:rPr lang="pl-PL" dirty="0"/>
+              <a:t> elementów stron internetowych (w przeglądarce).</a:t>
+            </a:r>
+          </a:p>
+          <a:p>
+            <a:pPr marL="101600" indent="0">
+              <a:spcBef>
+                <a:spcPts val="800"/>
+              </a:spcBef>
+              <a:buNone/>
+            </a:pPr>
+            <a:endParaRPr lang="pl-PL" dirty="0"/>
+          </a:p>
+          <a:p>
+            <a:pPr marL="101600" indent="0">
+              <a:spcBef>
+                <a:spcPts val="800"/>
+              </a:spcBef>
+              <a:buNone/>
+            </a:pPr>
+            <a:r>
+              <a:rPr lang="pl-PL" dirty="0"/>
+              <a:t>Jest językiem sieci Web – jednym z trzech filarów rozwoju stron internetowych (HTML, CSS i JS)</a:t>
+            </a:r>
+            <a:br>
+              <a:rPr lang="pl-PL" dirty="0"/>
+            </a:br>
+            <a:br>
+              <a:rPr lang="pl-PL" dirty="0"/>
+            </a:br>
+            <a:r>
+              <a:rPr lang="pl-PL" dirty="0"/>
+              <a:t>Jest dynamicznie typowany – oznacza to, że nie musisz deklarować typu zmiennej jawnie, a jej typ </a:t>
+            </a:r>
+            <a:r>
+              <a:rPr lang="pl-PL" dirty="0">
+                <a:solidFill>
+                  <a:srgbClr val="FF0000"/>
+                </a:solidFill>
+              </a:rPr>
+              <a:t>może się zmieniać </a:t>
+            </a:r>
+            <a:r>
+              <a:rPr lang="pl-PL" dirty="0"/>
+              <a:t>w trakcie działania programu.</a:t>
+            </a:r>
+          </a:p>
+          <a:p>
+            <a:pPr marL="101600" indent="0">
+              <a:spcBef>
+                <a:spcPts val="800"/>
+              </a:spcBef>
+              <a:buNone/>
+            </a:pPr>
+            <a:endParaRPr lang="pl-PL" dirty="0"/>
+          </a:p>
+          <a:p>
+            <a:pPr marL="101600" indent="0">
+              <a:spcBef>
+                <a:spcPts val="800"/>
+              </a:spcBef>
+              <a:buNone/>
+            </a:pPr>
+            <a:endParaRPr lang="pl-PL" dirty="0"/>
+          </a:p>
+          <a:p>
+            <a:pPr marL="101600" indent="0">
+              <a:spcBef>
+                <a:spcPts val="800"/>
+              </a:spcBef>
+              <a:buNone/>
+            </a:pPr>
+            <a:endParaRPr lang="pl-PL" dirty="0"/>
+          </a:p>
+          <a:p>
+            <a:pPr marL="101600" indent="0">
+              <a:spcBef>
+                <a:spcPts val="800"/>
+              </a:spcBef>
+              <a:buNone/>
+            </a:pPr>
+            <a:r>
+              <a:rPr lang="pl-PL" dirty="0"/>
+              <a:t>Jest interpretowalny – kod jest wykonywany przez silnik JS (np. V8 w Chrome). Nowoczesne silniki JS tak naprawdę wykonują kompilację JIT.</a:t>
+            </a:r>
+            <a:endParaRPr lang="en-GB" dirty="0"/>
+          </a:p>
+        </p:txBody>
+      </p:sp>
+      <p:pic>
+        <p:nvPicPr>
+          <p:cNvPr id="9" name="Picture 8">
+            <a:extLst>
+              <a:ext uri="{FF2B5EF4-FFF2-40B4-BE49-F238E27FC236}">
+                <a16:creationId xmlns:a16="http://schemas.microsoft.com/office/drawing/2014/main" id="{5E0AC608-2141-EB93-E89A-B1A64B3B7291}"/>
+              </a:ext>
+            </a:extLst>
+          </p:cNvPr>
+          <p:cNvPicPr>
+            <a:picLocks noChangeAspect="1"/>
+          </p:cNvPicPr>
+          <p:nvPr/>
+        </p:nvPicPr>
+        <p:blipFill>
+          <a:blip r:embed="rId2"/>
+          <a:stretch>
+            <a:fillRect/>
+          </a:stretch>
+        </p:blipFill>
+        <p:spPr>
+          <a:xfrm>
+            <a:off x="2110275" y="4232425"/>
+            <a:ext cx="7971450" cy="722625"/>
+          </a:xfrm>
+          <a:prstGeom prst="rect">
+            <a:avLst/>
+          </a:prstGeom>
+        </p:spPr>
+      </p:pic>
+    </p:spTree>
+    <p:extLst>
+      <p:ext uri="{BB962C8B-B14F-4D97-AF65-F5344CB8AC3E}">
+        <p14:creationId xmlns:p14="http://schemas.microsoft.com/office/powerpoint/2010/main" val="3374406365"/>
+      </p:ext>
+    </p:extLst>
+  </p:cSld>
+  <p:clrMapOvr>
+    <a:masterClrMapping/>
+  </p:clrMapOvr>
+</p:sld>
+</file>
+
+<file path=ppt/slides/slide6.xml><?xml version="1.0" encoding="utf-8"?>
+<p:sld xmlns:a="http://schemas.openxmlformats.org/drawingml/2006/main" xmlns:r="http://schemas.openxmlformats.org/officeDocument/2006/relationships" xmlns:p="http://schemas.openxmlformats.org/presentationml/2006/main">
+  <p:cSld>
+    <p:spTree>
+      <p:nvGrpSpPr>
+        <p:cNvPr id="1" name=""/>
+        <p:cNvGrpSpPr/>
+        <p:nvPr/>
+      </p:nvGrpSpPr>
+      <p:grpSpPr>
+        <a:xfrm>
+          <a:off x="0" y="0"/>
+          <a:ext cx="0" cy="0"/>
+          <a:chOff x="0" y="0"/>
+          <a:chExt cx="0" cy="0"/>
+        </a:xfrm>
+      </p:grpSpPr>
+      <p:sp>
+        <p:nvSpPr>
+          <p:cNvPr id="2" name="Title 1">
+            <a:extLst>
+              <a:ext uri="{FF2B5EF4-FFF2-40B4-BE49-F238E27FC236}">
+                <a16:creationId xmlns:a16="http://schemas.microsoft.com/office/drawing/2014/main" id="{608603C4-92F3-ECE4-B837-FAF4852F3720}"/>
+              </a:ext>
+            </a:extLst>
+          </p:cNvPr>
+          <p:cNvSpPr>
+            <a:spLocks noGrp="1"/>
+          </p:cNvSpPr>
+          <p:nvPr>
+            <p:ph type="title"/>
+          </p:nvPr>
+        </p:nvSpPr>
+        <p:spPr/>
+        <p:txBody>
+          <a:bodyPr>
+            <a:normAutofit fontScale="90000"/>
+          </a:bodyPr>
+          <a:lstStyle/>
+          <a:p>
+            <a:r>
+              <a:rPr lang="pl-PL" dirty="0"/>
+              <a:t>Czym jest </a:t>
+            </a:r>
+            <a:r>
+              <a:rPr lang="pl-PL" dirty="0">
+                <a:solidFill>
+                  <a:srgbClr val="FF0000"/>
+                </a:solidFill>
+              </a:rPr>
+              <a:t>T</a:t>
+            </a:r>
+            <a:r>
+              <a:rPr lang="pl-PL" dirty="0"/>
+              <a:t>ype</a:t>
+            </a:r>
+            <a:r>
+              <a:rPr lang="pl-PL" dirty="0">
+                <a:solidFill>
+                  <a:srgbClr val="FF0000"/>
+                </a:solidFill>
+              </a:rPr>
+              <a:t>S</a:t>
+            </a:r>
+            <a:r>
+              <a:rPr lang="pl-PL" dirty="0"/>
+              <a:t>cript (</a:t>
+            </a:r>
+            <a:r>
+              <a:rPr lang="pl-PL" dirty="0">
+                <a:solidFill>
+                  <a:srgbClr val="FF0000"/>
+                </a:solidFill>
+              </a:rPr>
+              <a:t>TS</a:t>
+            </a:r>
+            <a:r>
+              <a:rPr lang="pl-PL" dirty="0"/>
+              <a:t>)?</a:t>
+            </a:r>
+            <a:endParaRPr lang="en-GB" dirty="0"/>
+          </a:p>
+        </p:txBody>
+      </p:sp>
+      <p:sp>
+        <p:nvSpPr>
+          <p:cNvPr id="3" name="Text Placeholder 2">
+            <a:extLst>
+              <a:ext uri="{FF2B5EF4-FFF2-40B4-BE49-F238E27FC236}">
+                <a16:creationId xmlns:a16="http://schemas.microsoft.com/office/drawing/2014/main" id="{046554FD-817B-CD1A-D3C1-EFA42E5D1FF2}"/>
+              </a:ext>
+            </a:extLst>
+          </p:cNvPr>
+          <p:cNvSpPr>
+            <a:spLocks noGrp="1"/>
+          </p:cNvSpPr>
+          <p:nvPr>
+            <p:ph type="body" idx="1"/>
+          </p:nvPr>
+        </p:nvSpPr>
+        <p:spPr/>
+        <p:txBody>
+          <a:bodyPr/>
+          <a:lstStyle/>
+          <a:p>
+            <a:pPr marL="101600" indent="0">
+              <a:buNone/>
+            </a:pPr>
+            <a:r>
+              <a:rPr lang="pl-PL" b="1" dirty="0">
+                <a:solidFill>
+                  <a:srgbClr val="FF0000"/>
+                </a:solidFill>
+              </a:rPr>
+              <a:t>TypeScript</a:t>
+            </a:r>
+            <a:r>
+              <a:rPr lang="pl-PL" dirty="0"/>
+              <a:t> to "nadzbiór" JavaScriptu, opracowany przez Microsoft. Oznacza to, że </a:t>
+            </a:r>
+            <a:r>
+              <a:rPr lang="pl-PL" b="1" dirty="0">
+                <a:solidFill>
+                  <a:srgbClr val="FF0000"/>
+                </a:solidFill>
+              </a:rPr>
+              <a:t>każdy poprawny kod JavaScript jest poprawnym kodem TypeScript</a:t>
+            </a:r>
+            <a:r>
+              <a:rPr lang="pl-PL" dirty="0"/>
+              <a:t>, ale TS rozwija JS. Pozwala pisać kod JS w bardziej precyzyjny sposób.</a:t>
+            </a:r>
+          </a:p>
+          <a:p>
+            <a:pPr marL="101600" indent="0">
+              <a:buNone/>
+            </a:pPr>
+            <a:endParaRPr lang="pl-PL" dirty="0"/>
+          </a:p>
+          <a:p>
+            <a:pPr marL="101600" indent="0">
+              <a:buNone/>
+            </a:pPr>
+            <a:r>
+              <a:rPr lang="pl-PL" dirty="0"/>
+              <a:t>Nadbudowuje JS - dodaje przede wszystkim (opcjonalny) statyczny system typów. Pozwala (i zachęca) na jawne deklarowanie typów zmiennych, argumentów funkcji i zwracanych wartości.</a:t>
+            </a:r>
+          </a:p>
+          <a:p>
+            <a:pPr marL="101600" indent="0">
+              <a:buNone/>
+            </a:pPr>
+            <a:endParaRPr lang="pl-PL" dirty="0"/>
+          </a:p>
+          <a:p>
+            <a:pPr marL="101600" indent="0">
+              <a:buNone/>
+            </a:pPr>
+            <a:r>
+              <a:rPr lang="pl-PL" dirty="0"/>
+              <a:t>Kod TS musi zostać </a:t>
+            </a:r>
+            <a:r>
+              <a:rPr lang="pl-PL" b="1" dirty="0">
+                <a:solidFill>
+                  <a:srgbClr val="FF0000"/>
+                </a:solidFill>
+              </a:rPr>
+              <a:t>skompilowany</a:t>
+            </a:r>
+            <a:r>
+              <a:rPr lang="pl-PL" dirty="0"/>
+              <a:t> do czystego JS, zanim będzie mógł być uruchomiony przez przeglądarkę lub środowisko Node.js</a:t>
+            </a:r>
+            <a:endParaRPr lang="en-GB" dirty="0"/>
+          </a:p>
+        </p:txBody>
+      </p:sp>
+      <p:pic>
+        <p:nvPicPr>
+          <p:cNvPr id="5" name="Picture 4">
+            <a:extLst>
+              <a:ext uri="{FF2B5EF4-FFF2-40B4-BE49-F238E27FC236}">
+                <a16:creationId xmlns:a16="http://schemas.microsoft.com/office/drawing/2014/main" id="{327089CB-5CE6-6DFB-18A1-6D8048840415}"/>
+              </a:ext>
+            </a:extLst>
+          </p:cNvPr>
+          <p:cNvPicPr>
+            <a:picLocks noChangeAspect="1"/>
+          </p:cNvPicPr>
+          <p:nvPr/>
+        </p:nvPicPr>
+        <p:blipFill>
+          <a:blip r:embed="rId2"/>
+          <a:stretch>
+            <a:fillRect/>
+          </a:stretch>
+        </p:blipFill>
+        <p:spPr>
+          <a:xfrm>
+            <a:off x="1840621" y="4948874"/>
+            <a:ext cx="8782608" cy="744289"/>
+          </a:xfrm>
+          <a:prstGeom prst="rect">
+            <a:avLst/>
+          </a:prstGeom>
+        </p:spPr>
+      </p:pic>
+    </p:spTree>
+    <p:extLst>
+      <p:ext uri="{BB962C8B-B14F-4D97-AF65-F5344CB8AC3E}">
+        <p14:creationId xmlns:p14="http://schemas.microsoft.com/office/powerpoint/2010/main" val="155114277"/>
+      </p:ext>
+    </p:extLst>
+  </p:cSld>
+  <p:clrMapOvr>
+    <a:masterClrMapping/>
+  </p:clrMapOvr>
+</p:sld>
+</file>
+
+<file path=ppt/slides/slide7.xml><?xml version="1.0" encoding="utf-8"?>
 <p:sld xmlns:a="http://schemas.openxmlformats.org/drawingml/2006/main" xmlns:r="http://schemas.openxmlformats.org/officeDocument/2006/relationships" xmlns:p="http://schemas.openxmlformats.org/presentationml/2006/main">
   <p:cSld>
     <p:spTree>
@@ -16551,506 +17111,6 @@
     <p:extLst>
       <p:ext uri="{BB962C8B-B14F-4D97-AF65-F5344CB8AC3E}">
         <p14:creationId xmlns:p14="http://schemas.microsoft.com/office/powerpoint/2010/main" val="3061556702"/>
-      </p:ext>
-    </p:extLst>
-  </p:cSld>
-  <p:clrMapOvr>
-    <a:masterClrMapping/>
-  </p:clrMapOvr>
-</p:sld>
-</file>
-
-<file path=ppt/slides/slide6.xml><?xml version="1.0" encoding="utf-8"?>
-<p:sld xmlns:a="http://schemas.openxmlformats.org/drawingml/2006/main" xmlns:r="http://schemas.openxmlformats.org/officeDocument/2006/relationships" xmlns:p="http://schemas.openxmlformats.org/presentationml/2006/main">
-  <p:cSld>
-    <p:spTree>
-      <p:nvGrpSpPr>
-        <p:cNvPr id="1" name=""/>
-        <p:cNvGrpSpPr/>
-        <p:nvPr/>
-      </p:nvGrpSpPr>
-      <p:grpSpPr>
-        <a:xfrm>
-          <a:off x="0" y="0"/>
-          <a:ext cx="0" cy="0"/>
-          <a:chOff x="0" y="0"/>
-          <a:chExt cx="0" cy="0"/>
-        </a:xfrm>
-      </p:grpSpPr>
-      <p:sp>
-        <p:nvSpPr>
-          <p:cNvPr id="4" name="Title 3">
-            <a:extLst>
-              <a:ext uri="{FF2B5EF4-FFF2-40B4-BE49-F238E27FC236}">
-                <a16:creationId xmlns:a16="http://schemas.microsoft.com/office/drawing/2014/main" id="{21CDCE11-011B-B35E-E730-9F1DE2179E2A}"/>
-              </a:ext>
-            </a:extLst>
-          </p:cNvPr>
-          <p:cNvSpPr>
-            <a:spLocks noGrp="1"/>
-          </p:cNvSpPr>
-          <p:nvPr>
-            <p:ph type="title"/>
-          </p:nvPr>
-        </p:nvSpPr>
-        <p:spPr/>
-        <p:txBody>
-          <a:bodyPr>
-            <a:normAutofit fontScale="90000"/>
-          </a:bodyPr>
-          <a:lstStyle/>
-          <a:p>
-            <a:r>
-              <a:rPr lang="pl-PL" dirty="0"/>
-              <a:t>Czym jest </a:t>
-            </a:r>
-            <a:r>
-              <a:rPr lang="pl-PL" dirty="0">
-                <a:solidFill>
-                  <a:srgbClr val="FF0000"/>
-                </a:solidFill>
-              </a:rPr>
-              <a:t>J</a:t>
-            </a:r>
-            <a:r>
-              <a:rPr lang="pl-PL" dirty="0"/>
-              <a:t>ava</a:t>
-            </a:r>
-            <a:r>
-              <a:rPr lang="pl-PL" dirty="0">
-                <a:solidFill>
-                  <a:srgbClr val="FF0000"/>
-                </a:solidFill>
-              </a:rPr>
-              <a:t>S</a:t>
-            </a:r>
-            <a:r>
-              <a:rPr lang="pl-PL" dirty="0">
-                <a:solidFill>
-                  <a:schemeClr val="tx1"/>
-                </a:solidFill>
-              </a:rPr>
-              <a:t>cript</a:t>
-            </a:r>
-            <a:r>
-              <a:rPr lang="pl-PL" dirty="0"/>
-              <a:t> (</a:t>
-            </a:r>
-            <a:r>
-              <a:rPr lang="pl-PL" dirty="0">
-                <a:solidFill>
-                  <a:srgbClr val="FF0000"/>
-                </a:solidFill>
-              </a:rPr>
-              <a:t>JS</a:t>
-            </a:r>
-            <a:r>
-              <a:rPr lang="pl-PL" dirty="0"/>
-              <a:t>)?</a:t>
-            </a:r>
-            <a:endParaRPr lang="en-GB" dirty="0"/>
-          </a:p>
-        </p:txBody>
-      </p:sp>
-      <p:sp>
-        <p:nvSpPr>
-          <p:cNvPr id="5" name="Text Placeholder 4">
-            <a:extLst>
-              <a:ext uri="{FF2B5EF4-FFF2-40B4-BE49-F238E27FC236}">
-                <a16:creationId xmlns:a16="http://schemas.microsoft.com/office/drawing/2014/main" id="{F54B184C-F500-CE69-1ADF-49F216E95C1D}"/>
-              </a:ext>
-            </a:extLst>
-          </p:cNvPr>
-          <p:cNvSpPr>
-            <a:spLocks noGrp="1"/>
-          </p:cNvSpPr>
-          <p:nvPr>
-            <p:ph type="body" idx="1"/>
-          </p:nvPr>
-        </p:nvSpPr>
-        <p:spPr>
-          <a:xfrm>
-            <a:off x="312750" y="1239900"/>
-            <a:ext cx="11566500" cy="5044894"/>
-          </a:xfrm>
-        </p:spPr>
-        <p:txBody>
-          <a:bodyPr>
-            <a:normAutofit/>
-          </a:bodyPr>
-          <a:lstStyle/>
-          <a:p>
-            <a:pPr marL="101600" indent="0">
-              <a:spcBef>
-                <a:spcPts val="800"/>
-              </a:spcBef>
-              <a:buNone/>
-            </a:pPr>
-            <a:r>
-              <a:rPr lang="pl-PL" b="1" dirty="0">
-                <a:solidFill>
-                  <a:srgbClr val="FF0000"/>
-                </a:solidFill>
-              </a:rPr>
-              <a:t>JavaScript</a:t>
-            </a:r>
-            <a:r>
-              <a:rPr lang="pl-PL" dirty="0"/>
-              <a:t> to wysokopoziomowy, interpretowany język programowania, który jest głównie wykorzystywany do tworzenia </a:t>
-            </a:r>
-            <a:r>
-              <a:rPr lang="pl-PL" b="1" dirty="0">
-                <a:solidFill>
-                  <a:srgbClr val="FF0000"/>
-                </a:solidFill>
-              </a:rPr>
-              <a:t>interaktywnych</a:t>
-            </a:r>
-            <a:r>
-              <a:rPr lang="pl-PL" dirty="0"/>
-              <a:t> elementów stron internetowych (w przeglądarce).</a:t>
-            </a:r>
-          </a:p>
-          <a:p>
-            <a:pPr marL="101600" indent="0">
-              <a:spcBef>
-                <a:spcPts val="800"/>
-              </a:spcBef>
-              <a:buNone/>
-            </a:pPr>
-            <a:endParaRPr lang="pl-PL" dirty="0"/>
-          </a:p>
-          <a:p>
-            <a:pPr marL="101600" indent="0">
-              <a:spcBef>
-                <a:spcPts val="800"/>
-              </a:spcBef>
-              <a:buNone/>
-            </a:pPr>
-            <a:r>
-              <a:rPr lang="pl-PL" dirty="0"/>
-              <a:t>Jest językiem sieci Web – jednym z trzech filarów rozwoju stron internetowych (HTML, CSS i JS)</a:t>
-            </a:r>
-            <a:br>
-              <a:rPr lang="pl-PL" dirty="0"/>
-            </a:br>
-            <a:br>
-              <a:rPr lang="pl-PL" dirty="0"/>
-            </a:br>
-            <a:r>
-              <a:rPr lang="pl-PL" dirty="0"/>
-              <a:t>Jest dynamicznie typowany – oznacza to, że nie musisz deklarować typu zmiennej jawnie, a jej typ </a:t>
-            </a:r>
-            <a:r>
-              <a:rPr lang="pl-PL" dirty="0">
-                <a:solidFill>
-                  <a:srgbClr val="FF0000"/>
-                </a:solidFill>
-              </a:rPr>
-              <a:t>może się zmieniać </a:t>
-            </a:r>
-            <a:r>
-              <a:rPr lang="pl-PL" dirty="0"/>
-              <a:t>w trakcie działania programu.</a:t>
-            </a:r>
-          </a:p>
-          <a:p>
-            <a:pPr marL="101600" indent="0">
-              <a:spcBef>
-                <a:spcPts val="800"/>
-              </a:spcBef>
-              <a:buNone/>
-            </a:pPr>
-            <a:endParaRPr lang="pl-PL" dirty="0"/>
-          </a:p>
-          <a:p>
-            <a:pPr marL="101600" indent="0">
-              <a:spcBef>
-                <a:spcPts val="800"/>
-              </a:spcBef>
-              <a:buNone/>
-            </a:pPr>
-            <a:endParaRPr lang="pl-PL" dirty="0"/>
-          </a:p>
-          <a:p>
-            <a:pPr marL="101600" indent="0">
-              <a:spcBef>
-                <a:spcPts val="800"/>
-              </a:spcBef>
-              <a:buNone/>
-            </a:pPr>
-            <a:endParaRPr lang="pl-PL" dirty="0"/>
-          </a:p>
-          <a:p>
-            <a:pPr marL="101600" indent="0">
-              <a:spcBef>
-                <a:spcPts val="800"/>
-              </a:spcBef>
-              <a:buNone/>
-            </a:pPr>
-            <a:r>
-              <a:rPr lang="pl-PL" dirty="0"/>
-              <a:t>Jest interpretowalny – kod jest wykonywany przez silnik JS (np. V8 w Chrome). Nowoczesne silniki JS tak naprawdę wykonują kompilację JIT.</a:t>
-            </a:r>
-            <a:endParaRPr lang="en-GB" dirty="0"/>
-          </a:p>
-        </p:txBody>
-      </p:sp>
-      <p:pic>
-        <p:nvPicPr>
-          <p:cNvPr id="9" name="Picture 8">
-            <a:extLst>
-              <a:ext uri="{FF2B5EF4-FFF2-40B4-BE49-F238E27FC236}">
-                <a16:creationId xmlns:a16="http://schemas.microsoft.com/office/drawing/2014/main" id="{5E0AC608-2141-EB93-E89A-B1A64B3B7291}"/>
-              </a:ext>
-            </a:extLst>
-          </p:cNvPr>
-          <p:cNvPicPr>
-            <a:picLocks noChangeAspect="1"/>
-          </p:cNvPicPr>
-          <p:nvPr/>
-        </p:nvPicPr>
-        <p:blipFill>
-          <a:blip r:embed="rId2"/>
-          <a:stretch>
-            <a:fillRect/>
-          </a:stretch>
-        </p:blipFill>
-        <p:spPr>
-          <a:xfrm>
-            <a:off x="2110275" y="4232425"/>
-            <a:ext cx="7971450" cy="722625"/>
-          </a:xfrm>
-          <a:prstGeom prst="rect">
-            <a:avLst/>
-          </a:prstGeom>
-        </p:spPr>
-      </p:pic>
-    </p:spTree>
-    <p:extLst>
-      <p:ext uri="{BB962C8B-B14F-4D97-AF65-F5344CB8AC3E}">
-        <p14:creationId xmlns:p14="http://schemas.microsoft.com/office/powerpoint/2010/main" val="3374406365"/>
-      </p:ext>
-    </p:extLst>
-  </p:cSld>
-  <p:clrMapOvr>
-    <a:masterClrMapping/>
-  </p:clrMapOvr>
-</p:sld>
-</file>
-
-<file path=ppt/slides/slide7.xml><?xml version="1.0" encoding="utf-8"?>
-<p:sld xmlns:a="http://schemas.openxmlformats.org/drawingml/2006/main" xmlns:r="http://schemas.openxmlformats.org/officeDocument/2006/relationships" xmlns:p="http://schemas.openxmlformats.org/presentationml/2006/main">
-  <p:cSld>
-    <p:spTree>
-      <p:nvGrpSpPr>
-        <p:cNvPr id="1" name=""/>
-        <p:cNvGrpSpPr/>
-        <p:nvPr/>
-      </p:nvGrpSpPr>
-      <p:grpSpPr>
-        <a:xfrm>
-          <a:off x="0" y="0"/>
-          <a:ext cx="0" cy="0"/>
-          <a:chOff x="0" y="0"/>
-          <a:chExt cx="0" cy="0"/>
-        </a:xfrm>
-      </p:grpSpPr>
-      <p:sp>
-        <p:nvSpPr>
-          <p:cNvPr id="2" name="Title 1">
-            <a:extLst>
-              <a:ext uri="{FF2B5EF4-FFF2-40B4-BE49-F238E27FC236}">
-                <a16:creationId xmlns:a16="http://schemas.microsoft.com/office/drawing/2014/main" id="{608603C4-92F3-ECE4-B837-FAF4852F3720}"/>
-              </a:ext>
-            </a:extLst>
-          </p:cNvPr>
-          <p:cNvSpPr>
-            <a:spLocks noGrp="1"/>
-          </p:cNvSpPr>
-          <p:nvPr>
-            <p:ph type="title"/>
-          </p:nvPr>
-        </p:nvSpPr>
-        <p:spPr/>
-        <p:txBody>
-          <a:bodyPr>
-            <a:normAutofit fontScale="90000"/>
-          </a:bodyPr>
-          <a:lstStyle/>
-          <a:p>
-            <a:r>
-              <a:rPr lang="pl-PL" dirty="0"/>
-              <a:t>Czym jest </a:t>
-            </a:r>
-            <a:r>
-              <a:rPr lang="pl-PL" dirty="0">
-                <a:solidFill>
-                  <a:srgbClr val="FF0000"/>
-                </a:solidFill>
-              </a:rPr>
-              <a:t>T</a:t>
-            </a:r>
-            <a:r>
-              <a:rPr lang="pl-PL" dirty="0"/>
-              <a:t>ype</a:t>
-            </a:r>
-            <a:r>
-              <a:rPr lang="pl-PL" dirty="0">
-                <a:solidFill>
-                  <a:srgbClr val="FF0000"/>
-                </a:solidFill>
-              </a:rPr>
-              <a:t>S</a:t>
-            </a:r>
-            <a:r>
-              <a:rPr lang="pl-PL" dirty="0"/>
-              <a:t>cript (</a:t>
-            </a:r>
-            <a:r>
-              <a:rPr lang="pl-PL" dirty="0">
-                <a:solidFill>
-                  <a:srgbClr val="FF0000"/>
-                </a:solidFill>
-              </a:rPr>
-              <a:t>TS</a:t>
-            </a:r>
-            <a:r>
-              <a:rPr lang="pl-PL" dirty="0"/>
-              <a:t>)?</a:t>
-            </a:r>
-            <a:endParaRPr lang="en-GB" dirty="0"/>
-          </a:p>
-        </p:txBody>
-      </p:sp>
-      <p:sp>
-        <p:nvSpPr>
-          <p:cNvPr id="3" name="Text Placeholder 2">
-            <a:extLst>
-              <a:ext uri="{FF2B5EF4-FFF2-40B4-BE49-F238E27FC236}">
-                <a16:creationId xmlns:a16="http://schemas.microsoft.com/office/drawing/2014/main" id="{046554FD-817B-CD1A-D3C1-EFA42E5D1FF2}"/>
-              </a:ext>
-            </a:extLst>
-          </p:cNvPr>
-          <p:cNvSpPr>
-            <a:spLocks noGrp="1"/>
-          </p:cNvSpPr>
-          <p:nvPr>
-            <p:ph type="body" idx="1"/>
-          </p:nvPr>
-        </p:nvSpPr>
-        <p:spPr/>
-        <p:txBody>
-          <a:bodyPr/>
-          <a:lstStyle/>
-          <a:p>
-            <a:pPr marL="101600" indent="0">
-              <a:buNone/>
-            </a:pPr>
-            <a:r>
-              <a:rPr lang="pl-PL" b="1" dirty="0">
-                <a:solidFill>
-                  <a:srgbClr val="FF0000"/>
-                </a:solidFill>
-              </a:rPr>
-              <a:t>TypeScript</a:t>
-            </a:r>
-            <a:r>
-              <a:rPr lang="pl-PL" dirty="0"/>
-              <a:t> to "nadzbiór" JavaScriptu, opracowany przez Microsoft. Oznacza to, że </a:t>
-            </a:r>
-            <a:r>
-              <a:rPr lang="pl-PL" b="1" dirty="0">
-                <a:solidFill>
-                  <a:srgbClr val="FF0000"/>
-                </a:solidFill>
-              </a:rPr>
-              <a:t>każdy poprawny kod JavaScript jest poprawnym kodem TypeScript</a:t>
-            </a:r>
-            <a:r>
-              <a:rPr lang="pl-PL" dirty="0"/>
-              <a:t>, ale TS rozwija JS. Pozwala pisać kod JS w bardziej precyzyjny sposób.</a:t>
-            </a:r>
-          </a:p>
-          <a:p>
-            <a:pPr marL="101600" indent="0">
-              <a:buNone/>
-            </a:pPr>
-            <a:endParaRPr lang="pl-PL" dirty="0"/>
-          </a:p>
-          <a:p>
-            <a:pPr marL="101600" indent="0">
-              <a:buNone/>
-            </a:pPr>
-            <a:r>
-              <a:rPr lang="pl-PL" dirty="0"/>
-              <a:t>Nadbudowuje JS - dodaje przede wszystkim (opcjonalny) statyczny system typów. Pozwala (i zachęca) na jawne deklarowanie typów zmiennych, argumentów funkcji i zwracanych wartości.</a:t>
-            </a:r>
-          </a:p>
-          <a:p>
-            <a:pPr marL="101600" indent="0">
-              <a:buNone/>
-            </a:pPr>
-            <a:endParaRPr lang="pl-PL" dirty="0"/>
-          </a:p>
-          <a:p>
-            <a:pPr marL="101600" indent="0">
-              <a:buNone/>
-            </a:pPr>
-            <a:r>
-              <a:rPr lang="pl-PL" dirty="0"/>
-              <a:t>Kod TS musi zostać </a:t>
-            </a:r>
-            <a:r>
-              <a:rPr lang="pl-PL" b="1" dirty="0">
-                <a:solidFill>
-                  <a:srgbClr val="FF0000"/>
-                </a:solidFill>
-              </a:rPr>
-              <a:t>skompilowany</a:t>
-            </a:r>
-            <a:r>
-              <a:rPr lang="pl-PL" dirty="0"/>
-              <a:t> do czystego JS, zanim będzie mógł być uruchomiony przez przeglądarkę lub środowisko Node.js</a:t>
-            </a:r>
-            <a:endParaRPr lang="en-GB" dirty="0"/>
-          </a:p>
-        </p:txBody>
-      </p:sp>
-      <p:pic>
-        <p:nvPicPr>
-          <p:cNvPr id="5" name="Picture 4">
-            <a:extLst>
-              <a:ext uri="{FF2B5EF4-FFF2-40B4-BE49-F238E27FC236}">
-                <a16:creationId xmlns:a16="http://schemas.microsoft.com/office/drawing/2014/main" id="{327089CB-5CE6-6DFB-18A1-6D8048840415}"/>
-              </a:ext>
-            </a:extLst>
-          </p:cNvPr>
-          <p:cNvPicPr>
-            <a:picLocks noChangeAspect="1"/>
-          </p:cNvPicPr>
-          <p:nvPr/>
-        </p:nvPicPr>
-        <p:blipFill>
-          <a:blip r:embed="rId2"/>
-          <a:stretch>
-            <a:fillRect/>
-          </a:stretch>
-        </p:blipFill>
-        <p:spPr>
-          <a:xfrm>
-            <a:off x="1840621" y="4948874"/>
-            <a:ext cx="8782608" cy="744289"/>
-          </a:xfrm>
-          <a:prstGeom prst="rect">
-            <a:avLst/>
-          </a:prstGeom>
-        </p:spPr>
-      </p:pic>
-    </p:spTree>
-    <p:extLst>
-      <p:ext uri="{BB962C8B-B14F-4D97-AF65-F5344CB8AC3E}">
-        <p14:creationId xmlns:p14="http://schemas.microsoft.com/office/powerpoint/2010/main" val="155114277"/>
       </p:ext>
     </p:extLst>
   </p:cSld>

--- a/JavaScript i TypeScript.pptx
+++ b/JavaScript i TypeScript.pptx
@@ -5,7 +5,7 @@
     <p:sldMasterId id="2147483660" r:id="rId1"/>
   </p:sldMasterIdLst>
   <p:notesMasterIdLst>
-    <p:notesMasterId r:id="rId46"/>
+    <p:notesMasterId r:id="rId48"/>
   </p:notesMasterIdLst>
   <p:sldIdLst>
     <p:sldId id="256" r:id="rId2"/>
@@ -52,36 +52,38 @@
     <p:sldId id="324" r:id="rId43"/>
     <p:sldId id="325" r:id="rId44"/>
     <p:sldId id="326" r:id="rId45"/>
+    <p:sldId id="327" r:id="rId46"/>
+    <p:sldId id="328" r:id="rId47"/>
   </p:sldIdLst>
   <p:sldSz cx="12192000" cy="6858000"/>
   <p:notesSz cx="6858000" cy="9144000"/>
   <p:embeddedFontLst>
     <p:embeddedFont>
       <p:font typeface="Poppins" panose="00000500000000000000" pitchFamily="2" charset="0"/>
-      <p:regular r:id="rId47"/>
-      <p:bold r:id="rId48"/>
-      <p:italic r:id="rId49"/>
-      <p:boldItalic r:id="rId50"/>
+      <p:regular r:id="rId49"/>
+      <p:bold r:id="rId50"/>
+      <p:italic r:id="rId51"/>
+      <p:boldItalic r:id="rId52"/>
     </p:embeddedFont>
     <p:embeddedFont>
       <p:font typeface="Poppins Black" panose="00000A00000000000000" pitchFamily="2" charset="0"/>
-      <p:bold r:id="rId51"/>
-      <p:italic r:id="rId52"/>
-      <p:boldItalic r:id="rId53"/>
+      <p:bold r:id="rId53"/>
+      <p:italic r:id="rId54"/>
+      <p:boldItalic r:id="rId55"/>
     </p:embeddedFont>
     <p:embeddedFont>
       <p:font typeface="Poppins Light" panose="00000400000000000000" pitchFamily="2" charset="0"/>
-      <p:regular r:id="rId54"/>
-      <p:bold r:id="rId55"/>
-      <p:italic r:id="rId56"/>
-      <p:boldItalic r:id="rId57"/>
+      <p:regular r:id="rId56"/>
+      <p:bold r:id="rId57"/>
+      <p:italic r:id="rId58"/>
+      <p:boldItalic r:id="rId59"/>
     </p:embeddedFont>
     <p:embeddedFont>
       <p:font typeface="Poppins Medium" panose="00000600000000000000" pitchFamily="2" charset="0"/>
-      <p:regular r:id="rId58"/>
-      <p:bold r:id="rId59"/>
-      <p:italic r:id="rId60"/>
-      <p:boldItalic r:id="rId61"/>
+      <p:regular r:id="rId60"/>
+      <p:bold r:id="rId61"/>
+      <p:italic r:id="rId62"/>
+      <p:boldItalic r:id="rId63"/>
     </p:embeddedFont>
   </p:embeddedFontLst>
   <p:defaultTextStyle>
@@ -16297,6 +16299,455 @@
 </p:sld>
 </file>
 
+<file path=ppt/slides/slide45.xml><?xml version="1.0" encoding="utf-8"?>
+<p:sld xmlns:a="http://schemas.openxmlformats.org/drawingml/2006/main" xmlns:r="http://schemas.openxmlformats.org/officeDocument/2006/relationships" xmlns:p="http://schemas.openxmlformats.org/presentationml/2006/main">
+  <p:cSld>
+    <p:spTree>
+      <p:nvGrpSpPr>
+        <p:cNvPr id="1" name=""/>
+        <p:cNvGrpSpPr/>
+        <p:nvPr/>
+      </p:nvGrpSpPr>
+      <p:grpSpPr>
+        <a:xfrm>
+          <a:off x="0" y="0"/>
+          <a:ext cx="0" cy="0"/>
+          <a:chOff x="0" y="0"/>
+          <a:chExt cx="0" cy="0"/>
+        </a:xfrm>
+      </p:grpSpPr>
+      <p:sp>
+        <p:nvSpPr>
+          <p:cNvPr id="2" name="Title 1">
+            <a:extLst>
+              <a:ext uri="{FF2B5EF4-FFF2-40B4-BE49-F238E27FC236}">
+                <a16:creationId xmlns:a16="http://schemas.microsoft.com/office/drawing/2014/main" id="{9988AABC-44A3-1BE6-AE27-263E0CF27F28}"/>
+              </a:ext>
+            </a:extLst>
+          </p:cNvPr>
+          <p:cNvSpPr>
+            <a:spLocks noGrp="1"/>
+          </p:cNvSpPr>
+          <p:nvPr>
+            <p:ph type="title"/>
+          </p:nvPr>
+        </p:nvSpPr>
+        <p:spPr/>
+        <p:txBody>
+          <a:bodyPr>
+            <a:normAutofit fontScale="90000"/>
+          </a:bodyPr>
+          <a:lstStyle/>
+          <a:p>
+            <a:r>
+              <a:rPr lang="pl-PL" dirty="0">
+                <a:solidFill>
+                  <a:schemeClr val="tx1"/>
+                </a:solidFill>
+              </a:rPr>
+              <a:t>Konstruktory i tworzenie </a:t>
+            </a:r>
+            <a:r>
+              <a:rPr lang="pl-PL" dirty="0">
+                <a:solidFill>
+                  <a:srgbClr val="FF0000"/>
+                </a:solidFill>
+              </a:rPr>
+              <a:t>instancji</a:t>
+            </a:r>
+            <a:endParaRPr lang="en-GB" dirty="0">
+              <a:solidFill>
+                <a:srgbClr val="FF0000"/>
+              </a:solidFill>
+            </a:endParaRPr>
+          </a:p>
+        </p:txBody>
+      </p:sp>
+      <p:sp>
+        <p:nvSpPr>
+          <p:cNvPr id="3" name="Text Placeholder 2">
+            <a:extLst>
+              <a:ext uri="{FF2B5EF4-FFF2-40B4-BE49-F238E27FC236}">
+                <a16:creationId xmlns:a16="http://schemas.microsoft.com/office/drawing/2014/main" id="{CEC6FD02-86DF-5D91-556D-9DAD62A29E8E}"/>
+              </a:ext>
+            </a:extLst>
+          </p:cNvPr>
+          <p:cNvSpPr>
+            <a:spLocks noGrp="1"/>
+          </p:cNvSpPr>
+          <p:nvPr>
+            <p:ph type="body" idx="1"/>
+          </p:nvPr>
+        </p:nvSpPr>
+        <p:spPr/>
+        <p:txBody>
+          <a:bodyPr/>
+          <a:lstStyle/>
+          <a:p>
+            <a:pPr marL="101600" indent="0">
+              <a:buNone/>
+            </a:pPr>
+            <a:r>
+              <a:rPr lang="pl-PL" b="1" dirty="0">
+                <a:solidFill>
+                  <a:srgbClr val="FF0000"/>
+                </a:solidFill>
+              </a:rPr>
+              <a:t>Konstruktor</a:t>
+            </a:r>
+            <a:r>
+              <a:rPr lang="pl-PL" dirty="0"/>
+              <a:t> to specjalna metoda wewnątrz </a:t>
+            </a:r>
+            <a:r>
+              <a:rPr lang="pl-PL" b="1" dirty="0">
+                <a:solidFill>
+                  <a:srgbClr val="FF0000"/>
+                </a:solidFill>
+              </a:rPr>
+              <a:t>klasy</a:t>
+            </a:r>
+            <a:r>
+              <a:rPr lang="pl-PL" b="1" dirty="0"/>
+              <a:t>, </a:t>
+            </a:r>
+            <a:r>
+              <a:rPr lang="pl-PL" dirty="0"/>
+              <a:t>która jest wywoływana automatycznie w momencie </a:t>
+            </a:r>
+            <a:r>
+              <a:rPr lang="pl-PL" b="1" dirty="0">
+                <a:solidFill>
+                  <a:srgbClr val="FF0000"/>
+                </a:solidFill>
+              </a:rPr>
+              <a:t>tworzenia nowego obiektu</a:t>
+            </a:r>
+            <a:r>
+              <a:rPr lang="pl-PL" dirty="0">
+                <a:solidFill>
+                  <a:srgbClr val="FF0000"/>
+                </a:solidFill>
+              </a:rPr>
+              <a:t> </a:t>
+            </a:r>
+            <a:r>
+              <a:rPr lang="pl-PL" dirty="0"/>
+              <a:t>(instancji) tej klasy.</a:t>
+            </a:r>
+          </a:p>
+          <a:p>
+            <a:pPr marL="101600" indent="0">
+              <a:buNone/>
+            </a:pPr>
+            <a:endParaRPr lang="pl-PL" dirty="0"/>
+          </a:p>
+          <a:p>
+            <a:pPr marL="101600" indent="0">
+              <a:buNone/>
+            </a:pPr>
+            <a:endParaRPr lang="en-GB" dirty="0"/>
+          </a:p>
+        </p:txBody>
+      </p:sp>
+      <p:pic>
+        <p:nvPicPr>
+          <p:cNvPr id="5" name="Picture 4">
+            <a:extLst>
+              <a:ext uri="{FF2B5EF4-FFF2-40B4-BE49-F238E27FC236}">
+                <a16:creationId xmlns:a16="http://schemas.microsoft.com/office/drawing/2014/main" id="{1EE7A05F-481D-8E65-6CC9-A11046D3D518}"/>
+              </a:ext>
+            </a:extLst>
+          </p:cNvPr>
+          <p:cNvPicPr>
+            <a:picLocks noChangeAspect="1"/>
+          </p:cNvPicPr>
+          <p:nvPr/>
+        </p:nvPicPr>
+        <p:blipFill>
+          <a:blip r:embed="rId2"/>
+          <a:stretch>
+            <a:fillRect/>
+          </a:stretch>
+        </p:blipFill>
+        <p:spPr>
+          <a:xfrm>
+            <a:off x="3343038" y="2597476"/>
+            <a:ext cx="5505923" cy="3248593"/>
+          </a:xfrm>
+          <a:prstGeom prst="rect">
+            <a:avLst/>
+          </a:prstGeom>
+        </p:spPr>
+      </p:pic>
+    </p:spTree>
+    <p:extLst>
+      <p:ext uri="{BB962C8B-B14F-4D97-AF65-F5344CB8AC3E}">
+        <p14:creationId xmlns:p14="http://schemas.microsoft.com/office/powerpoint/2010/main" val="2239544611"/>
+      </p:ext>
+    </p:extLst>
+  </p:cSld>
+  <p:clrMapOvr>
+    <a:masterClrMapping/>
+  </p:clrMapOvr>
+</p:sld>
+</file>
+
+<file path=ppt/slides/slide46.xml><?xml version="1.0" encoding="utf-8"?>
+<p:sld xmlns:a="http://schemas.openxmlformats.org/drawingml/2006/main" xmlns:r="http://schemas.openxmlformats.org/officeDocument/2006/relationships" xmlns:p="http://schemas.openxmlformats.org/presentationml/2006/main">
+  <p:cSld>
+    <p:spTree>
+      <p:nvGrpSpPr>
+        <p:cNvPr id="1" name=""/>
+        <p:cNvGrpSpPr/>
+        <p:nvPr/>
+      </p:nvGrpSpPr>
+      <p:grpSpPr>
+        <a:xfrm>
+          <a:off x="0" y="0"/>
+          <a:ext cx="0" cy="0"/>
+          <a:chOff x="0" y="0"/>
+          <a:chExt cx="0" cy="0"/>
+        </a:xfrm>
+      </p:grpSpPr>
+      <p:sp>
+        <p:nvSpPr>
+          <p:cNvPr id="2" name="Title 1">
+            <a:extLst>
+              <a:ext uri="{FF2B5EF4-FFF2-40B4-BE49-F238E27FC236}">
+                <a16:creationId xmlns:a16="http://schemas.microsoft.com/office/drawing/2014/main" id="{F9868858-B058-4F7C-5E57-615DA7CD3A27}"/>
+              </a:ext>
+            </a:extLst>
+          </p:cNvPr>
+          <p:cNvSpPr>
+            <a:spLocks noGrp="1"/>
+          </p:cNvSpPr>
+          <p:nvPr>
+            <p:ph type="title"/>
+          </p:nvPr>
+        </p:nvSpPr>
+        <p:spPr/>
+        <p:txBody>
+          <a:bodyPr>
+            <a:normAutofit fontScale="90000"/>
+          </a:bodyPr>
+          <a:lstStyle/>
+          <a:p>
+            <a:r>
+              <a:rPr lang="pl-PL" dirty="0">
+                <a:solidFill>
+                  <a:schemeClr val="tx1"/>
+                </a:solidFill>
+              </a:rPr>
+              <a:t>Konstruktory i tworzenie </a:t>
+            </a:r>
+            <a:r>
+              <a:rPr lang="pl-PL" dirty="0">
+                <a:solidFill>
+                  <a:srgbClr val="FF0000"/>
+                </a:solidFill>
+              </a:rPr>
+              <a:t>instancji</a:t>
+            </a:r>
+            <a:endParaRPr lang="en-GB" dirty="0"/>
+          </a:p>
+        </p:txBody>
+      </p:sp>
+      <p:sp>
+        <p:nvSpPr>
+          <p:cNvPr id="3" name="Text Placeholder 2">
+            <a:extLst>
+              <a:ext uri="{FF2B5EF4-FFF2-40B4-BE49-F238E27FC236}">
+                <a16:creationId xmlns:a16="http://schemas.microsoft.com/office/drawing/2014/main" id="{FF88D0CA-EBF3-62C2-00B6-5452CE850B65}"/>
+              </a:ext>
+            </a:extLst>
+          </p:cNvPr>
+          <p:cNvSpPr>
+            <a:spLocks noGrp="1"/>
+          </p:cNvSpPr>
+          <p:nvPr>
+            <p:ph type="body" idx="1"/>
+          </p:nvPr>
+        </p:nvSpPr>
+        <p:spPr/>
+        <p:txBody>
+          <a:bodyPr/>
+          <a:lstStyle/>
+          <a:p>
+            <a:pPr marL="101600" indent="0">
+              <a:buNone/>
+            </a:pPr>
+            <a:r>
+              <a:rPr lang="pl-PL" dirty="0"/>
+              <a:t>Operator </a:t>
+            </a:r>
+            <a:r>
+              <a:rPr lang="pl-PL" b="1" dirty="0">
+                <a:solidFill>
+                  <a:srgbClr val="FF0000"/>
+                </a:solidFill>
+              </a:rPr>
+              <a:t>new</a:t>
+            </a:r>
+            <a:r>
+              <a:rPr lang="pl-PL" dirty="0"/>
+              <a:t> służy do </a:t>
+            </a:r>
+            <a:r>
+              <a:rPr lang="pl-PL" b="1" dirty="0">
+                <a:solidFill>
+                  <a:srgbClr val="FF0000"/>
+                </a:solidFill>
+              </a:rPr>
+              <a:t>wywołania konstruktora</a:t>
+            </a:r>
+            <a:r>
+              <a:rPr lang="pl-PL" dirty="0">
+                <a:solidFill>
+                  <a:srgbClr val="FF0000"/>
+                </a:solidFill>
+              </a:rPr>
+              <a:t> </a:t>
+            </a:r>
+            <a:r>
+              <a:rPr lang="pl-PL" dirty="0"/>
+              <a:t>i faktycznego stworzenia obiektu w pamięci.</a:t>
+            </a:r>
+          </a:p>
+          <a:p>
+            <a:pPr marL="101600" indent="0">
+              <a:buNone/>
+            </a:pPr>
+            <a:endParaRPr lang="pl-PL" dirty="0"/>
+          </a:p>
+          <a:p>
+            <a:pPr marL="101600" indent="0">
+              <a:buNone/>
+            </a:pPr>
+            <a:r>
+              <a:rPr lang="pl-PL" dirty="0"/>
+              <a:t>Co robi operator </a:t>
+            </a:r>
+            <a:r>
+              <a:rPr lang="pl-PL" b="1" dirty="0">
+                <a:solidFill>
+                  <a:srgbClr val="FF0000"/>
+                </a:solidFill>
+              </a:rPr>
+              <a:t>new?</a:t>
+            </a:r>
+          </a:p>
+          <a:p>
+            <a:pPr marL="101600" indent="0">
+              <a:buNone/>
+            </a:pPr>
+            <a:endParaRPr lang="pl-PL" dirty="0">
+              <a:solidFill>
+                <a:srgbClr val="FF0000"/>
+              </a:solidFill>
+            </a:endParaRPr>
+          </a:p>
+          <a:p>
+            <a:pPr marL="901700" lvl="1" indent="-342900">
+              <a:buFont typeface="+mj-lt"/>
+              <a:buAutoNum type="arabicPeriod"/>
+            </a:pPr>
+            <a:r>
+              <a:rPr lang="pl-PL" dirty="0">
+                <a:solidFill>
+                  <a:schemeClr val="tx1"/>
+                </a:solidFill>
+              </a:rPr>
+              <a:t>Tworzy nowy, pusty obiekt</a:t>
+            </a:r>
+          </a:p>
+          <a:p>
+            <a:pPr marL="901700" lvl="1" indent="-342900">
+              <a:buFont typeface="+mj-lt"/>
+              <a:buAutoNum type="arabicPeriod"/>
+            </a:pPr>
+            <a:r>
+              <a:rPr lang="pl-PL" dirty="0">
+                <a:solidFill>
+                  <a:schemeClr val="tx1"/>
+                </a:solidFill>
+              </a:rPr>
+              <a:t>Wewnątrz konstruktora, słowo kluczowe this zostaje powiązane z nowo utworzonym obiektem</a:t>
+            </a:r>
+          </a:p>
+          <a:p>
+            <a:pPr marL="901700" lvl="1" indent="-342900">
+              <a:buFont typeface="+mj-lt"/>
+              <a:buAutoNum type="arabicPeriod"/>
+            </a:pPr>
+            <a:r>
+              <a:rPr lang="pl-PL" dirty="0">
+                <a:solidFill>
+                  <a:schemeClr val="tx1"/>
+                </a:solidFill>
+              </a:rPr>
+              <a:t>Wywoływany jest konstruktor</a:t>
+            </a:r>
+          </a:p>
+          <a:p>
+            <a:pPr marL="901700" lvl="1" indent="-342900">
+              <a:buFont typeface="+mj-lt"/>
+              <a:buAutoNum type="arabicPeriod"/>
+            </a:pPr>
+            <a:r>
+              <a:rPr lang="pl-PL" dirty="0">
+                <a:solidFill>
+                  <a:schemeClr val="tx1"/>
+                </a:solidFill>
+              </a:rPr>
+              <a:t>Zwrócony jest obiekt</a:t>
+            </a:r>
+          </a:p>
+        </p:txBody>
+      </p:sp>
+      <p:pic>
+        <p:nvPicPr>
+          <p:cNvPr id="5" name="Picture 4" descr="A computer code with text&#10;&#10;AI-generated content may be incorrect.">
+            <a:extLst>
+              <a:ext uri="{FF2B5EF4-FFF2-40B4-BE49-F238E27FC236}">
+                <a16:creationId xmlns:a16="http://schemas.microsoft.com/office/drawing/2014/main" id="{2BC130DE-863E-347C-C2FD-6DD8BC68FD72}"/>
+              </a:ext>
+            </a:extLst>
+          </p:cNvPr>
+          <p:cNvPicPr>
+            <a:picLocks noChangeAspect="1"/>
+          </p:cNvPicPr>
+          <p:nvPr/>
+        </p:nvPicPr>
+        <p:blipFill>
+          <a:blip r:embed="rId2"/>
+          <a:stretch>
+            <a:fillRect/>
+          </a:stretch>
+        </p:blipFill>
+        <p:spPr>
+          <a:xfrm>
+            <a:off x="2389412" y="4645585"/>
+            <a:ext cx="7413176" cy="1745765"/>
+          </a:xfrm>
+          <a:prstGeom prst="rect">
+            <a:avLst/>
+          </a:prstGeom>
+        </p:spPr>
+      </p:pic>
+    </p:spTree>
+    <p:extLst>
+      <p:ext uri="{BB962C8B-B14F-4D97-AF65-F5344CB8AC3E}">
+        <p14:creationId xmlns:p14="http://schemas.microsoft.com/office/powerpoint/2010/main" val="2532108990"/>
+      </p:ext>
+    </p:extLst>
+  </p:cSld>
+  <p:clrMapOvr>
+    <a:masterClrMapping/>
+  </p:clrMapOvr>
+</p:sld>
+</file>
+
 <file path=ppt/slides/slide5.xml><?xml version="1.0" encoding="utf-8"?>
 <p:sld xmlns:a="http://schemas.openxmlformats.org/drawingml/2006/main" xmlns:r="http://schemas.openxmlformats.org/officeDocument/2006/relationships" xmlns:p="http://schemas.openxmlformats.org/presentationml/2006/main">
   <p:cSld>
